--- a/make_presentation/templates/templates/classic/_19.pptx
+++ b/make_presentation/templates/templates/classic/_19.pptx
@@ -310,7 +310,7 @@
             <a:pPr algn="r">
               <a:buNone/>
             </a:pPr>
-            <a:fld id="{019019A7-E86B-4ED1-9937-6154DF877E7A}" type="slidenum">
+            <a:fld id="{4D25F03F-6B26-409F-81BD-E89C4C55B864}" type="slidenum">
               <a:rPr b="0" lang="en-US" sz="1400" spc="-1" strike="noStrike">
                 <a:latin typeface="Times New Roman"/>
               </a:rPr>
@@ -358,7 +358,7 @@
         <p:spPr>
           <a:xfrm>
             <a:off x="380880" y="685800"/>
-            <a:ext cx="6091920" cy="3425040"/>
+            <a:ext cx="6091560" cy="3424680"/>
           </a:xfrm>
           <a:prstGeom prst="rect">
             <a:avLst/>
@@ -381,7 +381,7 @@
         <p:spPr>
           <a:xfrm>
             <a:off x="685800" y="4343400"/>
-            <a:ext cx="5482440" cy="4110840"/>
+            <a:ext cx="5482080" cy="4110480"/>
           </a:xfrm>
           <a:prstGeom prst="rect">
             <a:avLst/>
@@ -415,7 +415,7 @@
         <p:spPr>
           <a:xfrm>
             <a:off x="3884760" y="8685360"/>
-            <a:ext cx="2967840" cy="453240"/>
+            <a:ext cx="2967480" cy="452880"/>
           </a:xfrm>
           <a:prstGeom prst="rect">
             <a:avLst/>
@@ -451,7 +451,7 @@
               </a:lnSpc>
               <a:buNone/>
             </a:pPr>
-            <a:fld id="{BE3A1645-7E53-44C4-AE02-F88E030867D7}" type="slidenum">
+            <a:fld id="{3D53398C-40A8-43FF-82F4-2B9D8BE9F911}" type="slidenum">
               <a:rPr b="0" lang="en-US" sz="1200" spc="-1" strike="noStrike">
                 <a:solidFill>
                   <a:srgbClr val="000000"/>
@@ -502,7 +502,7 @@
         <p:spPr>
           <a:xfrm>
             <a:off x="380880" y="685800"/>
-            <a:ext cx="6091920" cy="3425040"/>
+            <a:ext cx="6091560" cy="3424680"/>
           </a:xfrm>
           <a:prstGeom prst="rect">
             <a:avLst/>
@@ -525,7 +525,7 @@
         <p:spPr>
           <a:xfrm>
             <a:off x="685800" y="4343400"/>
-            <a:ext cx="5482440" cy="4110840"/>
+            <a:ext cx="5482080" cy="4110480"/>
           </a:xfrm>
           <a:prstGeom prst="rect">
             <a:avLst/>
@@ -559,7 +559,7 @@
         <p:spPr>
           <a:xfrm>
             <a:off x="3884760" y="8685360"/>
-            <a:ext cx="2967840" cy="453240"/>
+            <a:ext cx="2967480" cy="452880"/>
           </a:xfrm>
           <a:prstGeom prst="rect">
             <a:avLst/>
@@ -595,7 +595,7 @@
               </a:lnSpc>
               <a:buNone/>
             </a:pPr>
-            <a:fld id="{CDEE444B-C88C-424E-A503-4CE83B810E11}" type="slidenum">
+            <a:fld id="{2A15EA8B-695E-4856-B7DC-A6B872C4FC17}" type="slidenum">
               <a:rPr b="0" lang="en-US" sz="1200" spc="-1" strike="noStrike">
                 <a:solidFill>
                   <a:srgbClr val="000000"/>
@@ -646,7 +646,7 @@
         <p:spPr>
           <a:xfrm>
             <a:off x="380880" y="685800"/>
-            <a:ext cx="6091920" cy="3425040"/>
+            <a:ext cx="6091560" cy="3424680"/>
           </a:xfrm>
           <a:prstGeom prst="rect">
             <a:avLst/>
@@ -669,7 +669,7 @@
         <p:spPr>
           <a:xfrm>
             <a:off x="685800" y="4343400"/>
-            <a:ext cx="5482440" cy="4110840"/>
+            <a:ext cx="5482080" cy="4110480"/>
           </a:xfrm>
           <a:prstGeom prst="rect">
             <a:avLst/>
@@ -703,7 +703,7 @@
         <p:spPr>
           <a:xfrm>
             <a:off x="3884760" y="8685360"/>
-            <a:ext cx="2967840" cy="453240"/>
+            <a:ext cx="2967480" cy="452880"/>
           </a:xfrm>
           <a:prstGeom prst="rect">
             <a:avLst/>
@@ -739,7 +739,7 @@
               </a:lnSpc>
               <a:buNone/>
             </a:pPr>
-            <a:fld id="{001A0321-C8ED-4895-B8E5-9C3C99916DB6}" type="slidenum">
+            <a:fld id="{32D98DCA-07BB-4E70-B46C-4733F65F3257}" type="slidenum">
               <a:rPr b="0" lang="en-US" sz="1200" spc="-1" strike="noStrike">
                 <a:solidFill>
                   <a:srgbClr val="000000"/>
@@ -790,7 +790,7 @@
         <p:spPr>
           <a:xfrm>
             <a:off x="380880" y="685800"/>
-            <a:ext cx="6091920" cy="3425040"/>
+            <a:ext cx="6091560" cy="3424680"/>
           </a:xfrm>
           <a:prstGeom prst="rect">
             <a:avLst/>
@@ -813,7 +813,7 @@
         <p:spPr>
           <a:xfrm>
             <a:off x="685800" y="4343400"/>
-            <a:ext cx="5482440" cy="4110840"/>
+            <a:ext cx="5482080" cy="4110480"/>
           </a:xfrm>
           <a:prstGeom prst="rect">
             <a:avLst/>
@@ -847,7 +847,7 @@
         <p:spPr>
           <a:xfrm>
             <a:off x="3884760" y="8685360"/>
-            <a:ext cx="2967840" cy="453240"/>
+            <a:ext cx="2967480" cy="452880"/>
           </a:xfrm>
           <a:prstGeom prst="rect">
             <a:avLst/>
@@ -883,7 +883,7 @@
               </a:lnSpc>
               <a:buNone/>
             </a:pPr>
-            <a:fld id="{A9CF2B0C-ABDC-457A-AC36-100570538C15}" type="slidenum">
+            <a:fld id="{1C0C89BD-D77D-465E-90D9-48B0C5D8CFDC}" type="slidenum">
               <a:rPr b="0" lang="en-US" sz="1200" spc="-1" strike="noStrike">
                 <a:solidFill>
                   <a:srgbClr val="000000"/>
@@ -934,7 +934,7 @@
         <p:spPr>
           <a:xfrm>
             <a:off x="380880" y="685800"/>
-            <a:ext cx="6091920" cy="3425040"/>
+            <a:ext cx="6091560" cy="3424680"/>
           </a:xfrm>
           <a:prstGeom prst="rect">
             <a:avLst/>
@@ -957,7 +957,7 @@
         <p:spPr>
           <a:xfrm>
             <a:off x="685800" y="4343400"/>
-            <a:ext cx="5482440" cy="4110840"/>
+            <a:ext cx="5482080" cy="4110480"/>
           </a:xfrm>
           <a:prstGeom prst="rect">
             <a:avLst/>
@@ -991,7 +991,7 @@
         <p:spPr>
           <a:xfrm>
             <a:off x="3884760" y="8685360"/>
-            <a:ext cx="2967840" cy="453240"/>
+            <a:ext cx="2967480" cy="452880"/>
           </a:xfrm>
           <a:prstGeom prst="rect">
             <a:avLst/>
@@ -1027,7 +1027,7 @@
               </a:lnSpc>
               <a:buNone/>
             </a:pPr>
-            <a:fld id="{A911C504-2E5E-4D37-8F79-A4210CB2353D}" type="slidenum">
+            <a:fld id="{BC42312B-5EEB-4C81-A21C-FBB541A49841}" type="slidenum">
               <a:rPr b="0" lang="en-US" sz="1200" spc="-1" strike="noStrike">
                 <a:solidFill>
                   <a:srgbClr val="000000"/>
@@ -1078,7 +1078,7 @@
         <p:spPr>
           <a:xfrm>
             <a:off x="380880" y="685800"/>
-            <a:ext cx="6091920" cy="3425040"/>
+            <a:ext cx="6091560" cy="3424680"/>
           </a:xfrm>
           <a:prstGeom prst="rect">
             <a:avLst/>
@@ -1101,7 +1101,7 @@
         <p:spPr>
           <a:xfrm>
             <a:off x="685800" y="4343400"/>
-            <a:ext cx="5482440" cy="4110840"/>
+            <a:ext cx="5482080" cy="4110480"/>
           </a:xfrm>
           <a:prstGeom prst="rect">
             <a:avLst/>
@@ -1135,7 +1135,7 @@
         <p:spPr>
           <a:xfrm>
             <a:off x="3884760" y="8685360"/>
-            <a:ext cx="2967840" cy="453240"/>
+            <a:ext cx="2967480" cy="452880"/>
           </a:xfrm>
           <a:prstGeom prst="rect">
             <a:avLst/>
@@ -1171,7 +1171,7 @@
               </a:lnSpc>
               <a:buNone/>
             </a:pPr>
-            <a:fld id="{686DB01F-5CAA-408F-9635-938913A0BA45}" type="slidenum">
+            <a:fld id="{68EE41C4-7B02-4A76-833F-DE717D703E3D}" type="slidenum">
               <a:rPr b="0" lang="en-US" sz="1200" spc="-1" strike="noStrike">
                 <a:solidFill>
                   <a:srgbClr val="000000"/>
@@ -1222,7 +1222,7 @@
         <p:spPr>
           <a:xfrm>
             <a:off x="380880" y="685800"/>
-            <a:ext cx="6091920" cy="3425040"/>
+            <a:ext cx="6091560" cy="3424680"/>
           </a:xfrm>
           <a:prstGeom prst="rect">
             <a:avLst/>
@@ -1245,7 +1245,7 @@
         <p:spPr>
           <a:xfrm>
             <a:off x="685800" y="4343400"/>
-            <a:ext cx="5482440" cy="4110840"/>
+            <a:ext cx="5482080" cy="4110480"/>
           </a:xfrm>
           <a:prstGeom prst="rect">
             <a:avLst/>
@@ -1279,7 +1279,7 @@
         <p:spPr>
           <a:xfrm>
             <a:off x="3884760" y="8685360"/>
-            <a:ext cx="2967840" cy="453240"/>
+            <a:ext cx="2967480" cy="452880"/>
           </a:xfrm>
           <a:prstGeom prst="rect">
             <a:avLst/>
@@ -1315,7 +1315,7 @@
               </a:lnSpc>
               <a:buNone/>
             </a:pPr>
-            <a:fld id="{86182BC7-4B85-447E-B74D-BC4B7D0AB59D}" type="slidenum">
+            <a:fld id="{52D10FEA-B67B-4E5E-B9A9-17D98522636C}" type="slidenum">
               <a:rPr b="0" lang="en-US" sz="1200" spc="-1" strike="noStrike">
                 <a:solidFill>
                   <a:srgbClr val="000000"/>
@@ -1366,7 +1366,7 @@
         <p:spPr>
           <a:xfrm>
             <a:off x="380880" y="685800"/>
-            <a:ext cx="6091920" cy="3425040"/>
+            <a:ext cx="6091560" cy="3424680"/>
           </a:xfrm>
           <a:prstGeom prst="rect">
             <a:avLst/>
@@ -1389,7 +1389,7 @@
         <p:spPr>
           <a:xfrm>
             <a:off x="685800" y="4343400"/>
-            <a:ext cx="5482440" cy="4110840"/>
+            <a:ext cx="5482080" cy="4110480"/>
           </a:xfrm>
           <a:prstGeom prst="rect">
             <a:avLst/>
@@ -1423,7 +1423,7 @@
         <p:spPr>
           <a:xfrm>
             <a:off x="3884760" y="8685360"/>
-            <a:ext cx="2967840" cy="453240"/>
+            <a:ext cx="2967480" cy="452880"/>
           </a:xfrm>
           <a:prstGeom prst="rect">
             <a:avLst/>
@@ -1459,7 +1459,7 @@
               </a:lnSpc>
               <a:buNone/>
             </a:pPr>
-            <a:fld id="{F67E0634-4857-46DC-95C6-A4DE93AE8113}" type="slidenum">
+            <a:fld id="{26CD9CF7-D387-4BD5-9CD5-4D710694BAE4}" type="slidenum">
               <a:rPr b="0" lang="en-US" sz="1200" spc="-1" strike="noStrike">
                 <a:solidFill>
                   <a:srgbClr val="000000"/>
@@ -1510,7 +1510,7 @@
         <p:spPr>
           <a:xfrm>
             <a:off x="380880" y="685800"/>
-            <a:ext cx="6091920" cy="3425040"/>
+            <a:ext cx="6091560" cy="3424680"/>
           </a:xfrm>
           <a:prstGeom prst="rect">
             <a:avLst/>
@@ -1533,7 +1533,7 @@
         <p:spPr>
           <a:xfrm>
             <a:off x="685800" y="4343400"/>
-            <a:ext cx="5482440" cy="4110840"/>
+            <a:ext cx="5482080" cy="4110480"/>
           </a:xfrm>
           <a:prstGeom prst="rect">
             <a:avLst/>
@@ -1567,7 +1567,7 @@
         <p:spPr>
           <a:xfrm>
             <a:off x="3884760" y="8685360"/>
-            <a:ext cx="2967840" cy="453240"/>
+            <a:ext cx="2967480" cy="452880"/>
           </a:xfrm>
           <a:prstGeom prst="rect">
             <a:avLst/>
@@ -1603,7 +1603,7 @@
               </a:lnSpc>
               <a:buNone/>
             </a:pPr>
-            <a:fld id="{01204A13-9BF4-4591-8DB0-CEC4ED169EC0}" type="slidenum">
+            <a:fld id="{9B4B36A3-8CC1-4477-871E-2B11A3F6EB12}" type="slidenum">
               <a:rPr b="0" lang="en-US" sz="1200" spc="-1" strike="noStrike">
                 <a:solidFill>
                   <a:srgbClr val="000000"/>
@@ -1654,7 +1654,7 @@
         <p:spPr>
           <a:xfrm>
             <a:off x="380880" y="685800"/>
-            <a:ext cx="6091920" cy="3425040"/>
+            <a:ext cx="6091560" cy="3424680"/>
           </a:xfrm>
           <a:prstGeom prst="rect">
             <a:avLst/>
@@ -1677,7 +1677,7 @@
         <p:spPr>
           <a:xfrm>
             <a:off x="685800" y="4343400"/>
-            <a:ext cx="5482440" cy="4110840"/>
+            <a:ext cx="5482080" cy="4110480"/>
           </a:xfrm>
           <a:prstGeom prst="rect">
             <a:avLst/>
@@ -1711,7 +1711,7 @@
         <p:spPr>
           <a:xfrm>
             <a:off x="3884760" y="8685360"/>
-            <a:ext cx="2967840" cy="453240"/>
+            <a:ext cx="2967480" cy="452880"/>
           </a:xfrm>
           <a:prstGeom prst="rect">
             <a:avLst/>
@@ -1747,7 +1747,7 @@
               </a:lnSpc>
               <a:buNone/>
             </a:pPr>
-            <a:fld id="{54E82D6F-00E7-44B0-A562-D4D421F619D7}" type="slidenum">
+            <a:fld id="{954A3627-D444-41EB-865F-8F5757FDD645}" type="slidenum">
               <a:rPr b="0" lang="en-US" sz="1200" spc="-1" strike="noStrike">
                 <a:solidFill>
                   <a:srgbClr val="000000"/>
@@ -1798,7 +1798,7 @@
         <p:spPr>
           <a:xfrm>
             <a:off x="380880" y="685800"/>
-            <a:ext cx="6091920" cy="3425040"/>
+            <a:ext cx="6091560" cy="3424680"/>
           </a:xfrm>
           <a:prstGeom prst="rect">
             <a:avLst/>
@@ -1821,7 +1821,7 @@
         <p:spPr>
           <a:xfrm>
             <a:off x="685800" y="4343400"/>
-            <a:ext cx="5482440" cy="4110840"/>
+            <a:ext cx="5482080" cy="4110480"/>
           </a:xfrm>
           <a:prstGeom prst="rect">
             <a:avLst/>
@@ -1855,7 +1855,7 @@
         <p:spPr>
           <a:xfrm>
             <a:off x="3884760" y="8685360"/>
-            <a:ext cx="2967840" cy="453240"/>
+            <a:ext cx="2967480" cy="452880"/>
           </a:xfrm>
           <a:prstGeom prst="rect">
             <a:avLst/>
@@ -1891,7 +1891,7 @@
               </a:lnSpc>
               <a:buNone/>
             </a:pPr>
-            <a:fld id="{199863ED-1F87-4854-B13C-7AE2A79179DD}" type="slidenum">
+            <a:fld id="{C43C8EE5-95E7-4846-888F-05C459873105}" type="slidenum">
               <a:rPr b="0" lang="en-US" sz="1200" spc="-1" strike="noStrike">
                 <a:solidFill>
                   <a:srgbClr val="000000"/>
@@ -1942,7 +1942,7 @@
         <p:spPr>
           <a:xfrm>
             <a:off x="380880" y="685800"/>
-            <a:ext cx="6091920" cy="3425040"/>
+            <a:ext cx="6091560" cy="3424680"/>
           </a:xfrm>
           <a:prstGeom prst="rect">
             <a:avLst/>
@@ -1965,7 +1965,7 @@
         <p:spPr>
           <a:xfrm>
             <a:off x="685800" y="4343400"/>
-            <a:ext cx="5482440" cy="4110840"/>
+            <a:ext cx="5482080" cy="4110480"/>
           </a:xfrm>
           <a:prstGeom prst="rect">
             <a:avLst/>
@@ -1999,7 +1999,7 @@
         <p:spPr>
           <a:xfrm>
             <a:off x="3884760" y="8685360"/>
-            <a:ext cx="2967840" cy="453240"/>
+            <a:ext cx="2967480" cy="452880"/>
           </a:xfrm>
           <a:prstGeom prst="rect">
             <a:avLst/>
@@ -2035,7 +2035,7 @@
               </a:lnSpc>
               <a:buNone/>
             </a:pPr>
-            <a:fld id="{81DBF7DB-93F6-48F7-9D2C-FB76DBF66FBB}" type="slidenum">
+            <a:fld id="{02A9FB7B-D374-436A-BC77-8B3F8CD12EB7}" type="slidenum">
               <a:rPr b="0" lang="en-US" sz="1200" spc="-1" strike="noStrike">
                 <a:solidFill>
                   <a:srgbClr val="000000"/>
@@ -2086,7 +2086,7 @@
         <p:spPr>
           <a:xfrm>
             <a:off x="380880" y="685800"/>
-            <a:ext cx="6091920" cy="3425040"/>
+            <a:ext cx="6091560" cy="3424680"/>
           </a:xfrm>
           <a:prstGeom prst="rect">
             <a:avLst/>
@@ -2109,7 +2109,7 @@
         <p:spPr>
           <a:xfrm>
             <a:off x="685800" y="4343400"/>
-            <a:ext cx="5482440" cy="4110840"/>
+            <a:ext cx="5482080" cy="4110480"/>
           </a:xfrm>
           <a:prstGeom prst="rect">
             <a:avLst/>
@@ -2143,7 +2143,7 @@
         <p:spPr>
           <a:xfrm>
             <a:off x="3884760" y="8685360"/>
-            <a:ext cx="2967840" cy="453240"/>
+            <a:ext cx="2967480" cy="452880"/>
           </a:xfrm>
           <a:prstGeom prst="rect">
             <a:avLst/>
@@ -2179,7 +2179,7 @@
               </a:lnSpc>
               <a:buNone/>
             </a:pPr>
-            <a:fld id="{C0B6B6B7-8B69-4048-9C8E-E0064301C649}" type="slidenum">
+            <a:fld id="{6A5AABB8-454E-4963-9A13-C302422C0506}" type="slidenum">
               <a:rPr b="0" lang="en-US" sz="1200" spc="-1" strike="noStrike">
                 <a:solidFill>
                   <a:srgbClr val="000000"/>
@@ -2230,7 +2230,7 @@
         <p:spPr>
           <a:xfrm>
             <a:off x="380880" y="685800"/>
-            <a:ext cx="6091920" cy="3425040"/>
+            <a:ext cx="6091560" cy="3424680"/>
           </a:xfrm>
           <a:prstGeom prst="rect">
             <a:avLst/>
@@ -2253,7 +2253,7 @@
         <p:spPr>
           <a:xfrm>
             <a:off x="685800" y="4343400"/>
-            <a:ext cx="5482440" cy="4110840"/>
+            <a:ext cx="5482080" cy="4110480"/>
           </a:xfrm>
           <a:prstGeom prst="rect">
             <a:avLst/>
@@ -2287,7 +2287,7 @@
         <p:spPr>
           <a:xfrm>
             <a:off x="3884760" y="8685360"/>
-            <a:ext cx="2967840" cy="453240"/>
+            <a:ext cx="2967480" cy="452880"/>
           </a:xfrm>
           <a:prstGeom prst="rect">
             <a:avLst/>
@@ -2323,7 +2323,7 @@
               </a:lnSpc>
               <a:buNone/>
             </a:pPr>
-            <a:fld id="{2B6DE1F4-7FC3-473A-B10D-5B3039D9ECED}" type="slidenum">
+            <a:fld id="{64247D97-3380-494C-BBC4-6E6713181E65}" type="slidenum">
               <a:rPr b="0" lang="en-US" sz="1200" spc="-1" strike="noStrike">
                 <a:solidFill>
                   <a:srgbClr val="000000"/>
@@ -2374,7 +2374,7 @@
         <p:spPr>
           <a:xfrm>
             <a:off x="380880" y="685800"/>
-            <a:ext cx="6091920" cy="3425040"/>
+            <a:ext cx="6091560" cy="3424680"/>
           </a:xfrm>
           <a:prstGeom prst="rect">
             <a:avLst/>
@@ -2397,7 +2397,7 @@
         <p:spPr>
           <a:xfrm>
             <a:off x="685800" y="4343400"/>
-            <a:ext cx="5482440" cy="4110840"/>
+            <a:ext cx="5482080" cy="4110480"/>
           </a:xfrm>
           <a:prstGeom prst="rect">
             <a:avLst/>
@@ -2431,7 +2431,7 @@
         <p:spPr>
           <a:xfrm>
             <a:off x="3884760" y="8685360"/>
-            <a:ext cx="2967840" cy="453240"/>
+            <a:ext cx="2967480" cy="452880"/>
           </a:xfrm>
           <a:prstGeom prst="rect">
             <a:avLst/>
@@ -2467,7 +2467,7 @@
               </a:lnSpc>
               <a:buNone/>
             </a:pPr>
-            <a:fld id="{D75B424B-C428-4E82-BFC7-FDFBAE0E0918}" type="slidenum">
+            <a:fld id="{5437EAA9-908D-467C-9E24-5BE8A2EE73B6}" type="slidenum">
               <a:rPr b="0" lang="en-US" sz="1200" spc="-1" strike="noStrike">
                 <a:solidFill>
                   <a:srgbClr val="000000"/>
@@ -2518,7 +2518,7 @@
         <p:spPr>
           <a:xfrm>
             <a:off x="380880" y="685800"/>
-            <a:ext cx="6091920" cy="3425040"/>
+            <a:ext cx="6091560" cy="3424680"/>
           </a:xfrm>
           <a:prstGeom prst="rect">
             <a:avLst/>
@@ -2541,7 +2541,7 @@
         <p:spPr>
           <a:xfrm>
             <a:off x="685800" y="4343400"/>
-            <a:ext cx="5482440" cy="4110840"/>
+            <a:ext cx="5482080" cy="4110480"/>
           </a:xfrm>
           <a:prstGeom prst="rect">
             <a:avLst/>
@@ -2575,7 +2575,7 @@
         <p:spPr>
           <a:xfrm>
             <a:off x="3884760" y="8685360"/>
-            <a:ext cx="2967840" cy="453240"/>
+            <a:ext cx="2967480" cy="452880"/>
           </a:xfrm>
           <a:prstGeom prst="rect">
             <a:avLst/>
@@ -2611,7 +2611,7 @@
               </a:lnSpc>
               <a:buNone/>
             </a:pPr>
-            <a:fld id="{77363E54-656F-4F94-85E3-2F268651E30A}" type="slidenum">
+            <a:fld id="{C81BCC2E-4F87-4FB2-B0EA-83EFE8110B18}" type="slidenum">
               <a:rPr b="0" lang="en-US" sz="1200" spc="-1" strike="noStrike">
                 <a:solidFill>
                   <a:srgbClr val="000000"/>
@@ -2662,7 +2662,7 @@
         <p:spPr>
           <a:xfrm>
             <a:off x="380880" y="685800"/>
-            <a:ext cx="6091920" cy="3425040"/>
+            <a:ext cx="6091560" cy="3424680"/>
           </a:xfrm>
           <a:prstGeom prst="rect">
             <a:avLst/>
@@ -2685,7 +2685,7 @@
         <p:spPr>
           <a:xfrm>
             <a:off x="685800" y="4343400"/>
-            <a:ext cx="5482440" cy="4110840"/>
+            <a:ext cx="5482080" cy="4110480"/>
           </a:xfrm>
           <a:prstGeom prst="rect">
             <a:avLst/>
@@ -2719,7 +2719,7 @@
         <p:spPr>
           <a:xfrm>
             <a:off x="3884760" y="8685360"/>
-            <a:ext cx="2967840" cy="453240"/>
+            <a:ext cx="2967480" cy="452880"/>
           </a:xfrm>
           <a:prstGeom prst="rect">
             <a:avLst/>
@@ -2755,7 +2755,7 @@
               </a:lnSpc>
               <a:buNone/>
             </a:pPr>
-            <a:fld id="{3E410C61-B50A-488F-A975-7BE0CEC7A584}" type="slidenum">
+            <a:fld id="{0E246B28-4331-42D4-8822-009F66EBAEF3}" type="slidenum">
               <a:rPr b="0" lang="en-US" sz="1200" spc="-1" strike="noStrike">
                 <a:solidFill>
                   <a:srgbClr val="000000"/>
@@ -2806,7 +2806,7 @@
         <p:spPr>
           <a:xfrm>
             <a:off x="380880" y="685800"/>
-            <a:ext cx="6091920" cy="3425040"/>
+            <a:ext cx="6091560" cy="3424680"/>
           </a:xfrm>
           <a:prstGeom prst="rect">
             <a:avLst/>
@@ -2829,7 +2829,7 @@
         <p:spPr>
           <a:xfrm>
             <a:off x="685800" y="4343400"/>
-            <a:ext cx="5482440" cy="4110840"/>
+            <a:ext cx="5482080" cy="4110480"/>
           </a:xfrm>
           <a:prstGeom prst="rect">
             <a:avLst/>
@@ -2863,7 +2863,7 @@
         <p:spPr>
           <a:xfrm>
             <a:off x="3884760" y="8685360"/>
-            <a:ext cx="2967840" cy="453240"/>
+            <a:ext cx="2967480" cy="452880"/>
           </a:xfrm>
           <a:prstGeom prst="rect">
             <a:avLst/>
@@ -2899,7 +2899,7 @@
               </a:lnSpc>
               <a:buNone/>
             </a:pPr>
-            <a:fld id="{8BEA7F14-286B-4CDD-B1E9-7ACAABC5642A}" type="slidenum">
+            <a:fld id="{81E24F38-884F-46D1-B76D-DDC55DA590E8}" type="slidenum">
               <a:rPr b="0" lang="en-US" sz="1200" spc="-1" strike="noStrike">
                 <a:solidFill>
                   <a:srgbClr val="000000"/>
@@ -2950,7 +2950,7 @@
         <p:spPr>
           <a:xfrm>
             <a:off x="380880" y="685800"/>
-            <a:ext cx="6091920" cy="3425040"/>
+            <a:ext cx="6091560" cy="3424680"/>
           </a:xfrm>
           <a:prstGeom prst="rect">
             <a:avLst/>
@@ -2973,7 +2973,7 @@
         <p:spPr>
           <a:xfrm>
             <a:off x="685800" y="4343400"/>
-            <a:ext cx="5482440" cy="4110840"/>
+            <a:ext cx="5482080" cy="4110480"/>
           </a:xfrm>
           <a:prstGeom prst="rect">
             <a:avLst/>
@@ -3007,7 +3007,7 @@
         <p:spPr>
           <a:xfrm>
             <a:off x="3884760" y="8685360"/>
-            <a:ext cx="2967840" cy="453240"/>
+            <a:ext cx="2967480" cy="452880"/>
           </a:xfrm>
           <a:prstGeom prst="rect">
             <a:avLst/>
@@ -3043,7 +3043,7 @@
               </a:lnSpc>
               <a:buNone/>
             </a:pPr>
-            <a:fld id="{3DBA772F-4879-4E80-A57A-6633DD7A67DA}" type="slidenum">
+            <a:fld id="{3EAABA6C-86B4-4856-A86A-41F9F94F117A}" type="slidenum">
               <a:rPr b="0" lang="en-US" sz="1200" spc="-1" strike="noStrike">
                 <a:solidFill>
                   <a:srgbClr val="000000"/>
@@ -3115,7 +3115,7 @@
         <p:txBody>
           <a:bodyPr/>
           <a:p>
-            <a:fld id="{EC2ADA95-AC7E-423C-88AA-A5741A55FB01}" type="slidenum">
+            <a:fld id="{009B2DA1-A8BD-4C3B-BBF0-CA62A16AE6BF}" type="slidenum">
               <a:t>&lt;#&gt;</a:t>
             </a:fld>
           </a:p>
@@ -3303,7 +3303,7 @@
         <p:txBody>
           <a:bodyPr/>
           <a:p>
-            <a:fld id="{17153E98-9C19-4A61-B3E2-5611F4B5391C}" type="slidenum">
+            <a:fld id="{48178973-023B-4428-9C19-F1317146B444}" type="slidenum">
               <a:t>&lt;#&gt;</a:t>
             </a:fld>
           </a:p>
@@ -3559,7 +3559,7 @@
         <p:txBody>
           <a:bodyPr/>
           <a:p>
-            <a:fld id="{BE8CF90A-AC4B-4944-950E-D983564EB93C}" type="slidenum">
+            <a:fld id="{BD690F8E-32E0-4824-B508-5BE1BA7849FC}" type="slidenum">
               <a:t>&lt;#&gt;</a:t>
             </a:fld>
           </a:p>
@@ -3883,7 +3883,7 @@
         <p:txBody>
           <a:bodyPr/>
           <a:p>
-            <a:fld id="{D240B048-F8C8-4E08-BA75-5D1A156D4DD2}" type="slidenum">
+            <a:fld id="{5DD1D393-9D7B-4644-9472-BFC149222B10}" type="slidenum">
               <a:t>&lt;#&gt;</a:t>
             </a:fld>
           </a:p>
@@ -4040,7 +4040,7 @@
         <p:txBody>
           <a:bodyPr/>
           <a:p>
-            <a:fld id="{02EF53DF-C782-4055-BCDF-C2A47ABF1EA4}" type="slidenum">
+            <a:fld id="{23234FA8-68F9-4796-AAAB-8F076927A3EF}" type="slidenum">
               <a:t>&lt;#&gt;</a:t>
             </a:fld>
           </a:p>
@@ -4194,7 +4194,7 @@
         <p:txBody>
           <a:bodyPr/>
           <a:p>
-            <a:fld id="{6AF751F7-F458-4385-A9F1-C41D813FAF1C}" type="slidenum">
+            <a:fld id="{5837B128-0346-4B29-8CB5-C18B8F4F44FE}" type="slidenum">
               <a:t>&lt;#&gt;</a:t>
             </a:fld>
           </a:p>
@@ -4382,7 +4382,7 @@
         <p:txBody>
           <a:bodyPr/>
           <a:p>
-            <a:fld id="{DE598D66-AEFD-43B7-A33B-2528AEEE69F5}" type="slidenum">
+            <a:fld id="{66101D8B-4124-4EB0-BBE8-75CFA42956CB}" type="slidenum">
               <a:t>&lt;#&gt;</a:t>
             </a:fld>
           </a:p>
@@ -4502,7 +4502,7 @@
         <p:txBody>
           <a:bodyPr/>
           <a:p>
-            <a:fld id="{CF7E17E6-403C-41F4-8F35-372E7DD9B5D6}" type="slidenum">
+            <a:fld id="{F32222BC-A8CE-43AF-8F7E-AE88B8AD4744}" type="slidenum">
               <a:t>&lt;#&gt;</a:t>
             </a:fld>
           </a:p>
@@ -4622,7 +4622,7 @@
         <p:txBody>
           <a:bodyPr/>
           <a:p>
-            <a:fld id="{4540FF4B-88DA-46B2-83D9-2AF7E2BEFA3F}" type="slidenum">
+            <a:fld id="{A0104F00-58E3-43DC-8DF2-C9D82EF3BD0D}" type="slidenum">
               <a:t>&lt;#&gt;</a:t>
             </a:fld>
           </a:p>
@@ -4844,7 +4844,7 @@
         <p:txBody>
           <a:bodyPr/>
           <a:p>
-            <a:fld id="{4DDEB33A-E41C-43F5-BD3E-800966D8188D}" type="slidenum">
+            <a:fld id="{73B144F5-1581-4FCE-9228-380CE7DC1585}" type="slidenum">
               <a:t>&lt;#&gt;</a:t>
             </a:fld>
           </a:p>
@@ -5066,7 +5066,7 @@
         <p:txBody>
           <a:bodyPr/>
           <a:p>
-            <a:fld id="{1078162D-F347-4BAD-A002-5CF2BBA69D56}" type="slidenum">
+            <a:fld id="{0D6BC751-87D0-454F-8EEF-D7A8141894F7}" type="slidenum">
               <a:t>&lt;#&gt;</a:t>
             </a:fld>
           </a:p>
@@ -5288,7 +5288,7 @@
         <p:txBody>
           <a:bodyPr/>
           <a:p>
-            <a:fld id="{4DC64514-9011-42CD-A217-FE23DDADDF31}" type="slidenum">
+            <a:fld id="{0398C62D-893F-46A3-8F32-233BC0C83445}" type="slidenum">
               <a:t>&lt;#&gt;</a:t>
             </a:fld>
           </a:p>
@@ -5357,7 +5357,7 @@
         <p:spPr>
           <a:xfrm>
             <a:off x="3028680" y="4771440"/>
-            <a:ext cx="3082680" cy="270720"/>
+            <a:ext cx="3082320" cy="270360"/>
           </a:xfrm>
           <a:prstGeom prst="rect">
             <a:avLst/>
@@ -5401,7 +5401,7 @@
                 <a:latin typeface="Times New Roman"/>
                 <a:ea typeface="DejaVu Sans"/>
               </a:rPr>
-              <a:t> </a:t>
+              <a:t>&lt;footer&gt;</a:t>
             </a:r>
             <a:endParaRPr b="0" lang="en-US" sz="1400" spc="-1" strike="noStrike">
               <a:latin typeface="Times New Roman"/>
@@ -5422,7 +5422,7 @@
         <p:spPr>
           <a:xfrm>
             <a:off x="6457680" y="4771440"/>
-            <a:ext cx="2054160" cy="270720"/>
+            <a:ext cx="2053800" cy="270360"/>
           </a:xfrm>
           <a:prstGeom prst="rect">
             <a:avLst/>
@@ -5458,7 +5458,7 @@
               </a:lnSpc>
               <a:buNone/>
             </a:pPr>
-            <a:fld id="{EA723B98-54CB-493A-9CEC-68DAF303AA0D}" type="slidenum">
+            <a:fld id="{B6F00CC1-2FFB-4445-9FA3-94A04AEF2FA6}" type="slidenum">
               <a:rPr b="0" lang="en-US" sz="1200" spc="-1" strike="noStrike">
                 <a:solidFill>
                   <a:srgbClr val="8b8b8b"/>
@@ -5466,7 +5466,7 @@
                 <a:latin typeface="Calibri"/>
                 <a:ea typeface="DejaVu Sans"/>
               </a:rPr>
-              <a:t>18</a:t>
+              <a:t>&lt;number&gt;</a:t>
             </a:fld>
             <a:endParaRPr b="0" lang="en-US" sz="1200" spc="-1" strike="noStrike">
               <a:latin typeface="Times New Roman"/>
@@ -5487,7 +5487,7 @@
         <p:spPr>
           <a:xfrm>
             <a:off x="628200" y="4771440"/>
-            <a:ext cx="2054160" cy="270720"/>
+            <a:ext cx="2053800" cy="270360"/>
           </a:xfrm>
           <a:prstGeom prst="rect">
             <a:avLst/>
@@ -5513,7 +5513,7 @@
               <a:rPr b="0" lang="en-US" sz="1400" spc="-1" strike="noStrike">
                 <a:latin typeface="Times New Roman"/>
               </a:rPr>
-              <a:t> </a:t>
+              <a:t>&lt;date/time&gt;</a:t>
             </a:r>
             <a:endParaRPr b="0" lang="en-US" sz="1400" spc="-1" strike="noStrike">
               <a:latin typeface="Times New Roman"/>
@@ -5799,8 +5799,8 @@
         </p:nvSpPr>
         <p:spPr>
           <a:xfrm rot="2744400">
-            <a:off x="-281520" y="-25920"/>
-            <a:ext cx="704880" cy="704520"/>
+            <a:off x="-281160" y="-25920"/>
+            <a:ext cx="704520" cy="704160"/>
           </a:xfrm>
           <a:prstGeom prst="roundRect">
             <a:avLst>
@@ -5838,7 +5838,7 @@
         <p:spPr>
           <a:xfrm rot="2625600">
             <a:off x="6024960" y="4332960"/>
-            <a:ext cx="468720" cy="468720"/>
+            <a:ext cx="468360" cy="468360"/>
           </a:xfrm>
           <a:prstGeom prst="roundRect">
             <a:avLst>
@@ -5875,8 +5875,8 @@
         </p:nvSpPr>
         <p:spPr>
           <a:xfrm rot="18679200">
-            <a:off x="7004160" y="948600"/>
-            <a:ext cx="4940280" cy="4666680"/>
+            <a:off x="7003800" y="948600"/>
+            <a:ext cx="4939920" cy="4666320"/>
           </a:xfrm>
           <a:prstGeom prst="roundRect">
             <a:avLst>
@@ -5914,7 +5914,7 @@
         <p:spPr>
           <a:xfrm>
             <a:off x="459720" y="4671360"/>
-            <a:ext cx="2995920" cy="266760"/>
+            <a:ext cx="2995560" cy="266400"/>
           </a:xfrm>
           <a:prstGeom prst="rect">
             <a:avLst/>
@@ -5979,8 +5979,8 @@
         </p:blipFill>
         <p:spPr>
           <a:xfrm>
-            <a:off x="2423160" y="4671720"/>
-            <a:ext cx="288360" cy="288360"/>
+            <a:off x="3007800" y="4728600"/>
+            <a:ext cx="288000" cy="288000"/>
           </a:xfrm>
           <a:prstGeom prst="rect">
             <a:avLst/>
@@ -5999,7 +5999,7 @@
         <p:spPr>
           <a:xfrm>
             <a:off x="484920" y="1681560"/>
-            <a:ext cx="5481360" cy="1882800"/>
+            <a:ext cx="5481000" cy="1882440"/>
           </a:xfrm>
           <a:prstGeom prst="rect">
             <a:avLst/>
@@ -6087,8 +6087,8 @@
         </p:nvSpPr>
         <p:spPr>
           <a:xfrm rot="2744400">
-            <a:off x="-281520" y="-25920"/>
-            <a:ext cx="704880" cy="704520"/>
+            <a:off x="-281160" y="-25920"/>
+            <a:ext cx="704520" cy="704160"/>
           </a:xfrm>
           <a:prstGeom prst="roundRect">
             <a:avLst>
@@ -6126,7 +6126,7 @@
         <p:spPr>
           <a:xfrm rot="2332200">
             <a:off x="6009480" y="-319680"/>
-            <a:ext cx="4856040" cy="7727040"/>
+            <a:ext cx="4855680" cy="7726680"/>
           </a:xfrm>
           <a:prstGeom prst="roundRect">
             <a:avLst>
@@ -6164,9 +6164,9 @@
         <p:grpSpPr>
           <a:xfrm>
             <a:off x="4571640" y="828000"/>
-            <a:ext cx="4468680" cy="3564720"/>
+            <a:ext cx="4468320" cy="3564360"/>
             <a:chOff x="4571640" y="828000"/>
-            <a:chExt cx="4468680" cy="3564720"/>
+            <a:chExt cx="4468320" cy="3564360"/>
           </a:xfrm>
         </p:grpSpPr>
         <p:pic>
@@ -6182,7 +6182,7 @@
           <p:spPr>
             <a:xfrm>
               <a:off x="4571640" y="828000"/>
-              <a:ext cx="4468680" cy="3564720"/>
+              <a:ext cx="4468320" cy="3564360"/>
             </a:xfrm>
             <a:prstGeom prst="rect">
               <a:avLst/>
@@ -6200,8 +6200,8 @@
           </p:nvSpPr>
           <p:spPr>
             <a:xfrm rot="16200000">
-              <a:off x="5962680" y="1158480"/>
-              <a:ext cx="1737720" cy="2771640"/>
+              <a:off x="5962680" y="1158840"/>
+              <a:ext cx="1737360" cy="2771280"/>
             </a:xfrm>
             <a:prstGeom prst="roundRect">
               <a:avLst>
@@ -6268,7 +6268,7 @@
         <p:spPr>
           <a:xfrm>
             <a:off x="5446080" y="1672200"/>
-            <a:ext cx="2771280" cy="1737720"/>
+            <a:ext cx="2770920" cy="1737360"/>
           </a:xfrm>
           <a:prstGeom prst="rect">
             <a:avLst/>
@@ -6320,7 +6320,7 @@
         <p:spPr>
           <a:xfrm>
             <a:off x="586440" y="1246680"/>
-            <a:ext cx="4004640" cy="3600360"/>
+            <a:ext cx="4004280" cy="3600000"/>
           </a:xfrm>
           <a:prstGeom prst="rect">
             <a:avLst/>
@@ -6372,7 +6372,7 @@
         <p:spPr>
           <a:xfrm>
             <a:off x="586440" y="453960"/>
-            <a:ext cx="4764600" cy="855720"/>
+            <a:ext cx="4764240" cy="855360"/>
           </a:xfrm>
           <a:prstGeom prst="rect">
             <a:avLst/>
@@ -6461,7 +6461,7 @@
         <p:spPr>
           <a:xfrm rot="2745600">
             <a:off x="8349840" y="-668160"/>
-            <a:ext cx="1498680" cy="1498680"/>
+            <a:ext cx="1498320" cy="1498320"/>
           </a:xfrm>
           <a:prstGeom prst="roundRect">
             <a:avLst>
@@ -6498,8 +6498,8 @@
         </p:nvSpPr>
         <p:spPr>
           <a:xfrm rot="2745600">
-            <a:off x="7634160" y="-322560"/>
-            <a:ext cx="807480" cy="807840"/>
+            <a:off x="7634160" y="-322200"/>
+            <a:ext cx="807120" cy="807480"/>
           </a:xfrm>
           <a:prstGeom prst="roundRect">
             <a:avLst>
@@ -6538,7 +6538,7 @@
         <p:spPr>
           <a:xfrm>
             <a:off x="586440" y="899640"/>
-            <a:ext cx="7932240" cy="1537560"/>
+            <a:ext cx="7931880" cy="1537200"/>
           </a:xfrm>
           <a:prstGeom prst="rect">
             <a:avLst/>
@@ -6590,7 +6590,7 @@
         <p:spPr>
           <a:xfrm>
             <a:off x="608040" y="2545560"/>
-            <a:ext cx="3712680" cy="2256120"/>
+            <a:ext cx="3712320" cy="2255760"/>
           </a:xfrm>
           <a:prstGeom prst="rect">
             <a:avLst/>
@@ -6642,7 +6642,7 @@
         <p:spPr>
           <a:xfrm>
             <a:off x="4806360" y="2545560"/>
-            <a:ext cx="3712680" cy="2256120"/>
+            <a:ext cx="3712320" cy="2255760"/>
           </a:xfrm>
           <a:prstGeom prst="rect">
             <a:avLst/>
@@ -6694,7 +6694,7 @@
         <p:spPr>
           <a:xfrm>
             <a:off x="583200" y="450720"/>
-            <a:ext cx="7198560" cy="512640"/>
+            <a:ext cx="7198200" cy="512280"/>
           </a:xfrm>
           <a:prstGeom prst="rect">
             <a:avLst/>
@@ -6776,7 +6776,7 @@
         <p:spPr>
           <a:xfrm>
             <a:off x="586440" y="1246680"/>
-            <a:ext cx="4004640" cy="3600360"/>
+            <a:ext cx="4004280" cy="3600000"/>
           </a:xfrm>
           <a:prstGeom prst="rect">
             <a:avLst/>
@@ -6828,7 +6828,7 @@
         <p:spPr>
           <a:xfrm>
             <a:off x="559800" y="446040"/>
-            <a:ext cx="4284000" cy="684000"/>
+            <a:ext cx="4283640" cy="683640"/>
           </a:xfrm>
           <a:prstGeom prst="rect">
             <a:avLst/>
@@ -6880,7 +6880,7 @@
         <p:spPr>
           <a:xfrm>
             <a:off x="5097600" y="360"/>
-            <a:ext cx="4380120" cy="5144400"/>
+            <a:ext cx="4379760" cy="5144040"/>
           </a:xfrm>
           <a:prstGeom prst="roundRect">
             <a:avLst>
@@ -6945,8 +6945,8 @@
         </p:nvSpPr>
         <p:spPr>
           <a:xfrm rot="2744400">
-            <a:off x="-281520" y="-25920"/>
-            <a:ext cx="704880" cy="704520"/>
+            <a:off x="-281160" y="-25920"/>
+            <a:ext cx="704520" cy="704160"/>
           </a:xfrm>
           <a:prstGeom prst="roundRect">
             <a:avLst>
@@ -6984,7 +6984,7 @@
         <p:spPr>
           <a:xfrm rot="2625600">
             <a:off x="4861080" y="4146840"/>
-            <a:ext cx="468720" cy="468720"/>
+            <a:ext cx="468360" cy="468360"/>
           </a:xfrm>
           <a:prstGeom prst="roundRect">
             <a:avLst>
@@ -7058,8 +7058,8 @@
         </p:nvSpPr>
         <p:spPr>
           <a:xfrm rot="2744400">
-            <a:off x="-350640" y="4540320"/>
-            <a:ext cx="704880" cy="704520"/>
+            <a:off x="-350280" y="4539960"/>
+            <a:ext cx="704520" cy="704160"/>
           </a:xfrm>
           <a:prstGeom prst="roundRect">
             <a:avLst>
@@ -7096,8 +7096,8 @@
         </p:nvSpPr>
         <p:spPr>
           <a:xfrm rot="19228200">
-            <a:off x="5846760" y="-2266920"/>
-            <a:ext cx="4855680" cy="7726680"/>
+            <a:off x="5846400" y="-2266560"/>
+            <a:ext cx="4855320" cy="7726320"/>
           </a:xfrm>
           <a:prstGeom prst="roundRect">
             <a:avLst>
@@ -7135,9 +7135,9 @@
         <p:grpSpPr>
           <a:xfrm>
             <a:off x="4571640" y="828000"/>
-            <a:ext cx="4468680" cy="3564720"/>
+            <a:ext cx="4468320" cy="3564360"/>
             <a:chOff x="4571640" y="828000"/>
-            <a:chExt cx="4468680" cy="3564720"/>
+            <a:chExt cx="4468320" cy="3564360"/>
           </a:xfrm>
         </p:grpSpPr>
         <p:pic>
@@ -7153,7 +7153,7 @@
           <p:spPr>
             <a:xfrm>
               <a:off x="4571640" y="828000"/>
-              <a:ext cx="4468680" cy="3564720"/>
+              <a:ext cx="4468320" cy="3564360"/>
             </a:xfrm>
             <a:prstGeom prst="rect">
               <a:avLst/>
@@ -7171,8 +7171,8 @@
           </p:nvSpPr>
           <p:spPr>
             <a:xfrm rot="16200000">
-              <a:off x="5962680" y="1158480"/>
-              <a:ext cx="1737720" cy="2771640"/>
+              <a:off x="5962680" y="1158840"/>
+              <a:ext cx="1737360" cy="2771280"/>
             </a:xfrm>
             <a:prstGeom prst="roundRect">
               <a:avLst>
@@ -7239,7 +7239,7 @@
         <p:spPr>
           <a:xfrm>
             <a:off x="586440" y="1246680"/>
-            <a:ext cx="4004640" cy="3600360"/>
+            <a:ext cx="4004280" cy="3600000"/>
           </a:xfrm>
           <a:prstGeom prst="rect">
             <a:avLst/>
@@ -7291,7 +7291,7 @@
         <p:spPr>
           <a:xfrm>
             <a:off x="5446080" y="1672200"/>
-            <a:ext cx="2780640" cy="1737720"/>
+            <a:ext cx="2780280" cy="1737360"/>
           </a:xfrm>
           <a:prstGeom prst="rect">
             <a:avLst/>
@@ -7343,7 +7343,7 @@
         <p:spPr>
           <a:xfrm>
             <a:off x="586440" y="453960"/>
-            <a:ext cx="3697200" cy="855720"/>
+            <a:ext cx="3696840" cy="855360"/>
           </a:xfrm>
           <a:prstGeom prst="rect">
             <a:avLst/>
@@ -7432,7 +7432,7 @@
         <p:spPr>
           <a:xfrm>
             <a:off x="4222080" y="1246680"/>
-            <a:ext cx="4115520" cy="3600360"/>
+            <a:ext cx="4115160" cy="3600000"/>
           </a:xfrm>
           <a:prstGeom prst="rect">
             <a:avLst/>
@@ -7483,8 +7483,8 @@
         </p:nvSpPr>
         <p:spPr>
           <a:xfrm rot="16200000">
-            <a:off x="-2181600" y="1733040"/>
-            <a:ext cx="5144400" cy="1684440"/>
+            <a:off x="-2181600" y="1733400"/>
+            <a:ext cx="5144040" cy="1684080"/>
           </a:xfrm>
           <a:prstGeom prst="roundRect">
             <a:avLst>
@@ -7521,8 +7521,8 @@
         </p:nvSpPr>
         <p:spPr>
           <a:xfrm rot="2745000">
-            <a:off x="8575200" y="104040"/>
-            <a:ext cx="1132920" cy="1132560"/>
+            <a:off x="8575200" y="103680"/>
+            <a:ext cx="1132560" cy="1132200"/>
           </a:xfrm>
           <a:prstGeom prst="roundRect">
             <a:avLst>
@@ -7559,8 +7559,8 @@
         </p:nvSpPr>
         <p:spPr>
           <a:xfrm rot="16200000">
-            <a:off x="614880" y="918360"/>
-            <a:ext cx="3232440" cy="3314160"/>
+            <a:off x="614880" y="918720"/>
+            <a:ext cx="3232080" cy="3313800"/>
           </a:xfrm>
           <a:prstGeom prst="roundRect">
             <a:avLst>
@@ -7626,7 +7626,7 @@
         <p:spPr>
           <a:xfrm>
             <a:off x="4214160" y="456120"/>
-            <a:ext cx="4112280" cy="855720"/>
+            <a:ext cx="4111920" cy="855360"/>
           </a:xfrm>
           <a:prstGeom prst="rect">
             <a:avLst/>
@@ -7714,8 +7714,8 @@
         </p:nvSpPr>
         <p:spPr>
           <a:xfrm rot="2744400">
-            <a:off x="-281520" y="-25920"/>
-            <a:ext cx="704880" cy="704520"/>
+            <a:off x="-281160" y="-25920"/>
+            <a:ext cx="704520" cy="704160"/>
           </a:xfrm>
           <a:prstGeom prst="roundRect">
             <a:avLst>
@@ -7753,7 +7753,7 @@
         <p:spPr>
           <a:xfrm rot="2332200">
             <a:off x="6009480" y="-319680"/>
-            <a:ext cx="4856040" cy="7727040"/>
+            <a:ext cx="4855680" cy="7726680"/>
           </a:xfrm>
           <a:prstGeom prst="roundRect">
             <a:avLst>
@@ -7791,9 +7791,9 @@
         <p:grpSpPr>
           <a:xfrm>
             <a:off x="4571640" y="828000"/>
-            <a:ext cx="4468680" cy="3564720"/>
+            <a:ext cx="4468320" cy="3564360"/>
             <a:chOff x="4571640" y="828000"/>
-            <a:chExt cx="4468680" cy="3564720"/>
+            <a:chExt cx="4468320" cy="3564360"/>
           </a:xfrm>
         </p:grpSpPr>
         <p:pic>
@@ -7809,7 +7809,7 @@
           <p:spPr>
             <a:xfrm>
               <a:off x="4571640" y="828000"/>
-              <a:ext cx="4468680" cy="3564720"/>
+              <a:ext cx="4468320" cy="3564360"/>
             </a:xfrm>
             <a:prstGeom prst="rect">
               <a:avLst/>
@@ -7827,8 +7827,8 @@
           </p:nvSpPr>
           <p:spPr>
             <a:xfrm rot="16200000">
-              <a:off x="5962680" y="1158480"/>
-              <a:ext cx="1737720" cy="2771640"/>
+              <a:off x="5962680" y="1158840"/>
+              <a:ext cx="1737360" cy="2771280"/>
             </a:xfrm>
             <a:prstGeom prst="roundRect">
               <a:avLst>
@@ -7895,7 +7895,7 @@
         <p:spPr>
           <a:xfrm>
             <a:off x="5446080" y="1672200"/>
-            <a:ext cx="2771280" cy="1737720"/>
+            <a:ext cx="2770920" cy="1737360"/>
           </a:xfrm>
           <a:prstGeom prst="rect">
             <a:avLst/>
@@ -7947,7 +7947,7 @@
         <p:spPr>
           <a:xfrm>
             <a:off x="586440" y="1246680"/>
-            <a:ext cx="4004640" cy="3600360"/>
+            <a:ext cx="4004280" cy="3600000"/>
           </a:xfrm>
           <a:prstGeom prst="rect">
             <a:avLst/>
@@ -7999,7 +7999,7 @@
         <p:spPr>
           <a:xfrm>
             <a:off x="586440" y="453960"/>
-            <a:ext cx="4764600" cy="855720"/>
+            <a:ext cx="4764240" cy="855360"/>
           </a:xfrm>
           <a:prstGeom prst="rect">
             <a:avLst/>
@@ -8088,7 +8088,7 @@
         <p:spPr>
           <a:xfrm rot="2745600">
             <a:off x="8349840" y="-668160"/>
-            <a:ext cx="1498680" cy="1498680"/>
+            <a:ext cx="1498320" cy="1498320"/>
           </a:xfrm>
           <a:prstGeom prst="roundRect">
             <a:avLst>
@@ -8125,8 +8125,8 @@
         </p:nvSpPr>
         <p:spPr>
           <a:xfrm rot="2745600">
-            <a:off x="7634160" y="-322560"/>
-            <a:ext cx="807480" cy="807840"/>
+            <a:off x="7634160" y="-322200"/>
+            <a:ext cx="807120" cy="807480"/>
           </a:xfrm>
           <a:prstGeom prst="roundRect">
             <a:avLst>
@@ -8165,7 +8165,7 @@
         <p:spPr>
           <a:xfrm>
             <a:off x="586440" y="899640"/>
-            <a:ext cx="7932240" cy="1537560"/>
+            <a:ext cx="7931880" cy="1537200"/>
           </a:xfrm>
           <a:prstGeom prst="rect">
             <a:avLst/>
@@ -8217,7 +8217,7 @@
         <p:spPr>
           <a:xfrm>
             <a:off x="608040" y="2545560"/>
-            <a:ext cx="3712680" cy="2256120"/>
+            <a:ext cx="3712320" cy="2255760"/>
           </a:xfrm>
           <a:prstGeom prst="rect">
             <a:avLst/>
@@ -8269,7 +8269,7 @@
         <p:spPr>
           <a:xfrm>
             <a:off x="4806360" y="2545560"/>
-            <a:ext cx="3712680" cy="2256120"/>
+            <a:ext cx="3712320" cy="2255760"/>
           </a:xfrm>
           <a:prstGeom prst="rect">
             <a:avLst/>
@@ -8321,7 +8321,7 @@
         <p:spPr>
           <a:xfrm>
             <a:off x="583200" y="450720"/>
-            <a:ext cx="7198560" cy="512640"/>
+            <a:ext cx="7198200" cy="512280"/>
           </a:xfrm>
           <a:prstGeom prst="rect">
             <a:avLst/>
@@ -8403,7 +8403,7 @@
         <p:spPr>
           <a:xfrm>
             <a:off x="586440" y="1246680"/>
-            <a:ext cx="4004640" cy="3600360"/>
+            <a:ext cx="4004280" cy="3600000"/>
           </a:xfrm>
           <a:prstGeom prst="rect">
             <a:avLst/>
@@ -8455,7 +8455,7 @@
         <p:spPr>
           <a:xfrm>
             <a:off x="559800" y="446040"/>
-            <a:ext cx="4284000" cy="684000"/>
+            <a:ext cx="4283640" cy="683640"/>
           </a:xfrm>
           <a:prstGeom prst="rect">
             <a:avLst/>
@@ -8507,7 +8507,7 @@
         <p:spPr>
           <a:xfrm>
             <a:off x="5097600" y="360"/>
-            <a:ext cx="4380120" cy="5144400"/>
+            <a:ext cx="4379760" cy="5144040"/>
           </a:xfrm>
           <a:prstGeom prst="roundRect">
             <a:avLst>
@@ -8572,8 +8572,8 @@
         </p:nvSpPr>
         <p:spPr>
           <a:xfrm rot="2744400">
-            <a:off x="-281520" y="-25920"/>
-            <a:ext cx="704880" cy="704520"/>
+            <a:off x="-281160" y="-25920"/>
+            <a:ext cx="704520" cy="704160"/>
           </a:xfrm>
           <a:prstGeom prst="roundRect">
             <a:avLst>
@@ -8611,7 +8611,7 @@
         <p:spPr>
           <a:xfrm rot="2625600">
             <a:off x="4861080" y="4146840"/>
-            <a:ext cx="468720" cy="468720"/>
+            <a:ext cx="468360" cy="468360"/>
           </a:xfrm>
           <a:prstGeom prst="roundRect">
             <a:avLst>
@@ -8685,8 +8685,8 @@
         </p:nvSpPr>
         <p:spPr>
           <a:xfrm rot="2744400">
-            <a:off x="-350640" y="4540320"/>
-            <a:ext cx="704880" cy="704520"/>
+            <a:off x="-350280" y="4539960"/>
+            <a:ext cx="704520" cy="704160"/>
           </a:xfrm>
           <a:prstGeom prst="roundRect">
             <a:avLst>
@@ -8723,8 +8723,8 @@
         </p:nvSpPr>
         <p:spPr>
           <a:xfrm rot="19228200">
-            <a:off x="5846760" y="-2266920"/>
-            <a:ext cx="4855680" cy="7726680"/>
+            <a:off x="5846400" y="-2266560"/>
+            <a:ext cx="4855320" cy="7726320"/>
           </a:xfrm>
           <a:prstGeom prst="roundRect">
             <a:avLst>
@@ -8762,9 +8762,9 @@
         <p:grpSpPr>
           <a:xfrm>
             <a:off x="4571640" y="828000"/>
-            <a:ext cx="4468680" cy="3564720"/>
+            <a:ext cx="4468320" cy="3564360"/>
             <a:chOff x="4571640" y="828000"/>
-            <a:chExt cx="4468680" cy="3564720"/>
+            <a:chExt cx="4468320" cy="3564360"/>
           </a:xfrm>
         </p:grpSpPr>
         <p:pic>
@@ -8780,7 +8780,7 @@
           <p:spPr>
             <a:xfrm>
               <a:off x="4571640" y="828000"/>
-              <a:ext cx="4468680" cy="3564720"/>
+              <a:ext cx="4468320" cy="3564360"/>
             </a:xfrm>
             <a:prstGeom prst="rect">
               <a:avLst/>
@@ -8798,8 +8798,8 @@
           </p:nvSpPr>
           <p:spPr>
             <a:xfrm rot="16200000">
-              <a:off x="5962680" y="1158480"/>
-              <a:ext cx="1737720" cy="2771640"/>
+              <a:off x="5962680" y="1158840"/>
+              <a:ext cx="1737360" cy="2771280"/>
             </a:xfrm>
             <a:prstGeom prst="roundRect">
               <a:avLst>
@@ -8866,7 +8866,7 @@
         <p:spPr>
           <a:xfrm>
             <a:off x="586440" y="1246680"/>
-            <a:ext cx="4004640" cy="3600360"/>
+            <a:ext cx="4004280" cy="3600000"/>
           </a:xfrm>
           <a:prstGeom prst="rect">
             <a:avLst/>
@@ -8918,7 +8918,7 @@
         <p:spPr>
           <a:xfrm>
             <a:off x="5446080" y="1672200"/>
-            <a:ext cx="2780640" cy="1737720"/>
+            <a:ext cx="2780280" cy="1737360"/>
           </a:xfrm>
           <a:prstGeom prst="rect">
             <a:avLst/>
@@ -8970,7 +8970,7 @@
         <p:spPr>
           <a:xfrm>
             <a:off x="586440" y="453960"/>
-            <a:ext cx="3697200" cy="855720"/>
+            <a:ext cx="3696840" cy="855360"/>
           </a:xfrm>
           <a:prstGeom prst="rect">
             <a:avLst/>
@@ -9058,8 +9058,8 @@
         </p:nvSpPr>
         <p:spPr>
           <a:xfrm rot="2744400">
-            <a:off x="-281520" y="-25920"/>
-            <a:ext cx="704880" cy="704520"/>
+            <a:off x="-281160" y="-25920"/>
+            <a:ext cx="704520" cy="704160"/>
           </a:xfrm>
           <a:prstGeom prst="roundRect">
             <a:avLst>
@@ -9097,7 +9097,7 @@
         <p:spPr>
           <a:xfrm>
             <a:off x="569160" y="1888920"/>
-            <a:ext cx="4821480" cy="820800"/>
+            <a:ext cx="4821120" cy="820800"/>
           </a:xfrm>
           <a:prstGeom prst="rect">
             <a:avLst/>
@@ -9148,8 +9148,8 @@
         </p:nvSpPr>
         <p:spPr>
           <a:xfrm rot="18679800">
-            <a:off x="6782400" y="457560"/>
-            <a:ext cx="6251040" cy="4666680"/>
+            <a:off x="6782040" y="457560"/>
+            <a:ext cx="6250680" cy="4666320"/>
           </a:xfrm>
           <a:prstGeom prst="roundRect">
             <a:avLst>
@@ -9187,7 +9187,7 @@
         <p:spPr>
           <a:xfrm rot="2625600">
             <a:off x="6024960" y="4332960"/>
-            <a:ext cx="468720" cy="468720"/>
+            <a:ext cx="468360" cy="468360"/>
           </a:xfrm>
           <a:prstGeom prst="roundRect">
             <a:avLst>
@@ -9225,7 +9225,7 @@
         <p:spPr>
           <a:xfrm>
             <a:off x="1640880" y="4592880"/>
-            <a:ext cx="2995920" cy="266760"/>
+            <a:ext cx="2995560" cy="266400"/>
           </a:xfrm>
           <a:prstGeom prst="rect">
             <a:avLst/>
@@ -9287,7 +9287,7 @@
         <p:spPr>
           <a:xfrm>
             <a:off x="867240" y="3590280"/>
-            <a:ext cx="253800" cy="254160"/>
+            <a:ext cx="253440" cy="253800"/>
           </a:xfrm>
           <a:prstGeom prst="ellipse">
             <a:avLst/>
@@ -9322,7 +9322,7 @@
         <p:spPr>
           <a:xfrm>
             <a:off x="351000" y="3793320"/>
-            <a:ext cx="1286280" cy="1131840"/>
+            <a:ext cx="1285920" cy="1131480"/>
           </a:xfrm>
           <a:prstGeom prst="rect">
             <a:avLst/>
@@ -9371,7 +9371,7 @@
         <p:spPr>
           <a:xfrm>
             <a:off x="586440" y="1246680"/>
-            <a:ext cx="4004640" cy="3600360"/>
+            <a:ext cx="4004280" cy="3600000"/>
           </a:xfrm>
           <a:prstGeom prst="rect">
             <a:avLst/>
@@ -9423,7 +9423,7 @@
         <p:spPr>
           <a:xfrm>
             <a:off x="559800" y="446040"/>
-            <a:ext cx="4284000" cy="684000"/>
+            <a:ext cx="4283640" cy="683640"/>
           </a:xfrm>
           <a:prstGeom prst="rect">
             <a:avLst/>
@@ -9475,7 +9475,7 @@
         <p:spPr>
           <a:xfrm>
             <a:off x="5097600" y="360"/>
-            <a:ext cx="4380120" cy="5144400"/>
+            <a:ext cx="4379760" cy="5144040"/>
           </a:xfrm>
           <a:prstGeom prst="roundRect">
             <a:avLst>
@@ -9540,8 +9540,8 @@
         </p:nvSpPr>
         <p:spPr>
           <a:xfrm rot="2744400">
-            <a:off x="-281520" y="-25920"/>
-            <a:ext cx="704880" cy="704520"/>
+            <a:off x="-281160" y="-25920"/>
+            <a:ext cx="704520" cy="704160"/>
           </a:xfrm>
           <a:prstGeom prst="roundRect">
             <a:avLst>
@@ -9579,7 +9579,7 @@
         <p:spPr>
           <a:xfrm rot="2625600">
             <a:off x="4861080" y="4146840"/>
-            <a:ext cx="468720" cy="468720"/>
+            <a:ext cx="468360" cy="468360"/>
           </a:xfrm>
           <a:prstGeom prst="roundRect">
             <a:avLst>
@@ -9653,8 +9653,8 @@
         </p:nvSpPr>
         <p:spPr>
           <a:xfrm rot="2744400">
-            <a:off x="-350640" y="4540320"/>
-            <a:ext cx="704880" cy="704520"/>
+            <a:off x="-350280" y="4539960"/>
+            <a:ext cx="704520" cy="704160"/>
           </a:xfrm>
           <a:prstGeom prst="roundRect">
             <a:avLst>
@@ -9691,8 +9691,8 @@
         </p:nvSpPr>
         <p:spPr>
           <a:xfrm rot="19228200">
-            <a:off x="5846760" y="-2266920"/>
-            <a:ext cx="4855680" cy="7726680"/>
+            <a:off x="5846400" y="-2266560"/>
+            <a:ext cx="4855320" cy="7726320"/>
           </a:xfrm>
           <a:prstGeom prst="roundRect">
             <a:avLst>
@@ -9730,9 +9730,9 @@
         <p:grpSpPr>
           <a:xfrm>
             <a:off x="4571640" y="828000"/>
-            <a:ext cx="4468680" cy="3564720"/>
+            <a:ext cx="4468320" cy="3564360"/>
             <a:chOff x="4571640" y="828000"/>
-            <a:chExt cx="4468680" cy="3564720"/>
+            <a:chExt cx="4468320" cy="3564360"/>
           </a:xfrm>
         </p:grpSpPr>
         <p:pic>
@@ -9748,7 +9748,7 @@
           <p:spPr>
             <a:xfrm>
               <a:off x="4571640" y="828000"/>
-              <a:ext cx="4468680" cy="3564720"/>
+              <a:ext cx="4468320" cy="3564360"/>
             </a:xfrm>
             <a:prstGeom prst="rect">
               <a:avLst/>
@@ -9766,8 +9766,8 @@
           </p:nvSpPr>
           <p:spPr>
             <a:xfrm rot="16200000">
-              <a:off x="5962680" y="1158480"/>
-              <a:ext cx="1737720" cy="2771640"/>
+              <a:off x="5962680" y="1158840"/>
+              <a:ext cx="1737360" cy="2771280"/>
             </a:xfrm>
             <a:prstGeom prst="roundRect">
               <a:avLst>
@@ -9834,7 +9834,7 @@
         <p:spPr>
           <a:xfrm>
             <a:off x="586440" y="1246680"/>
-            <a:ext cx="4004640" cy="3600360"/>
+            <a:ext cx="4004280" cy="3600000"/>
           </a:xfrm>
           <a:prstGeom prst="rect">
             <a:avLst/>
@@ -9886,7 +9886,7 @@
         <p:spPr>
           <a:xfrm>
             <a:off x="5446080" y="1672200"/>
-            <a:ext cx="2780640" cy="1737720"/>
+            <a:ext cx="2780280" cy="1737360"/>
           </a:xfrm>
           <a:prstGeom prst="rect">
             <a:avLst/>
@@ -9938,7 +9938,7 @@
         <p:spPr>
           <a:xfrm>
             <a:off x="586440" y="453960"/>
-            <a:ext cx="3697200" cy="855720"/>
+            <a:ext cx="3696840" cy="855360"/>
           </a:xfrm>
           <a:prstGeom prst="rect">
             <a:avLst/>
@@ -10027,7 +10027,7 @@
         <p:spPr>
           <a:xfrm>
             <a:off x="4222080" y="1246680"/>
-            <a:ext cx="4115520" cy="3600360"/>
+            <a:ext cx="4115160" cy="3600000"/>
           </a:xfrm>
           <a:prstGeom prst="rect">
             <a:avLst/>
@@ -10078,8 +10078,8 @@
         </p:nvSpPr>
         <p:spPr>
           <a:xfrm rot="16200000">
-            <a:off x="-2181600" y="1733040"/>
-            <a:ext cx="5144400" cy="1684440"/>
+            <a:off x="-2181600" y="1733400"/>
+            <a:ext cx="5144040" cy="1684080"/>
           </a:xfrm>
           <a:prstGeom prst="roundRect">
             <a:avLst>
@@ -10116,8 +10116,8 @@
         </p:nvSpPr>
         <p:spPr>
           <a:xfrm rot="2745000">
-            <a:off x="8575200" y="104040"/>
-            <a:ext cx="1132920" cy="1132560"/>
+            <a:off x="8575200" y="103680"/>
+            <a:ext cx="1132560" cy="1132200"/>
           </a:xfrm>
           <a:prstGeom prst="roundRect">
             <a:avLst>
@@ -10154,8 +10154,8 @@
         </p:nvSpPr>
         <p:spPr>
           <a:xfrm rot="16200000">
-            <a:off x="614880" y="918360"/>
-            <a:ext cx="3232440" cy="3314160"/>
+            <a:off x="614880" y="918720"/>
+            <a:ext cx="3232080" cy="3313800"/>
           </a:xfrm>
           <a:prstGeom prst="roundRect">
             <a:avLst>
@@ -10221,7 +10221,7 @@
         <p:spPr>
           <a:xfrm>
             <a:off x="4214160" y="456120"/>
-            <a:ext cx="4112280" cy="855720"/>
+            <a:ext cx="4111920" cy="855360"/>
           </a:xfrm>
           <a:prstGeom prst="rect">
             <a:avLst/>
@@ -10309,8 +10309,8 @@
         </p:nvSpPr>
         <p:spPr>
           <a:xfrm rot="2744400">
-            <a:off x="-281520" y="-25920"/>
-            <a:ext cx="704880" cy="704520"/>
+            <a:off x="-281160" y="-25920"/>
+            <a:ext cx="704520" cy="704160"/>
           </a:xfrm>
           <a:prstGeom prst="roundRect">
             <a:avLst>
@@ -10348,7 +10348,7 @@
         <p:spPr>
           <a:xfrm rot="2332200">
             <a:off x="6009480" y="-319680"/>
-            <a:ext cx="4856040" cy="7727040"/>
+            <a:ext cx="4855680" cy="7726680"/>
           </a:xfrm>
           <a:prstGeom prst="roundRect">
             <a:avLst>
@@ -10386,9 +10386,9 @@
         <p:grpSpPr>
           <a:xfrm>
             <a:off x="4571640" y="828000"/>
-            <a:ext cx="4468680" cy="3564720"/>
+            <a:ext cx="4468320" cy="3564360"/>
             <a:chOff x="4571640" y="828000"/>
-            <a:chExt cx="4468680" cy="3564720"/>
+            <a:chExt cx="4468320" cy="3564360"/>
           </a:xfrm>
         </p:grpSpPr>
         <p:pic>
@@ -10404,7 +10404,7 @@
           <p:spPr>
             <a:xfrm>
               <a:off x="4571640" y="828000"/>
-              <a:ext cx="4468680" cy="3564720"/>
+              <a:ext cx="4468320" cy="3564360"/>
             </a:xfrm>
             <a:prstGeom prst="rect">
               <a:avLst/>
@@ -10422,8 +10422,8 @@
           </p:nvSpPr>
           <p:spPr>
             <a:xfrm rot="16200000">
-              <a:off x="5962680" y="1158480"/>
-              <a:ext cx="1737720" cy="2771640"/>
+              <a:off x="5962680" y="1158840"/>
+              <a:ext cx="1737360" cy="2771280"/>
             </a:xfrm>
             <a:prstGeom prst="roundRect">
               <a:avLst>
@@ -10490,7 +10490,7 @@
         <p:spPr>
           <a:xfrm>
             <a:off x="5446080" y="1672200"/>
-            <a:ext cx="2771280" cy="1737720"/>
+            <a:ext cx="2770920" cy="1737360"/>
           </a:xfrm>
           <a:prstGeom prst="rect">
             <a:avLst/>
@@ -10542,7 +10542,7 @@
         <p:spPr>
           <a:xfrm>
             <a:off x="586440" y="1246680"/>
-            <a:ext cx="4004640" cy="3600360"/>
+            <a:ext cx="4004280" cy="3600000"/>
           </a:xfrm>
           <a:prstGeom prst="rect">
             <a:avLst/>
@@ -10594,7 +10594,7 @@
         <p:spPr>
           <a:xfrm>
             <a:off x="586440" y="453960"/>
-            <a:ext cx="4764600" cy="855720"/>
+            <a:ext cx="4764240" cy="855360"/>
           </a:xfrm>
           <a:prstGeom prst="rect">
             <a:avLst/>
@@ -10683,7 +10683,7 @@
         <p:spPr>
           <a:xfrm rot="2745600">
             <a:off x="8349840" y="-668160"/>
-            <a:ext cx="1498680" cy="1498680"/>
+            <a:ext cx="1498320" cy="1498320"/>
           </a:xfrm>
           <a:prstGeom prst="roundRect">
             <a:avLst>
@@ -10720,8 +10720,8 @@
         </p:nvSpPr>
         <p:spPr>
           <a:xfrm rot="2745600">
-            <a:off x="7634160" y="-322560"/>
-            <a:ext cx="807480" cy="807840"/>
+            <a:off x="7634160" y="-322200"/>
+            <a:ext cx="807120" cy="807480"/>
           </a:xfrm>
           <a:prstGeom prst="roundRect">
             <a:avLst>
@@ -10760,7 +10760,7 @@
         <p:spPr>
           <a:xfrm>
             <a:off x="586440" y="899640"/>
-            <a:ext cx="7932240" cy="1537560"/>
+            <a:ext cx="7931880" cy="1537200"/>
           </a:xfrm>
           <a:prstGeom prst="rect">
             <a:avLst/>
@@ -10812,7 +10812,7 @@
         <p:spPr>
           <a:xfrm>
             <a:off x="608040" y="2545560"/>
-            <a:ext cx="3712680" cy="2256120"/>
+            <a:ext cx="3712320" cy="2255760"/>
           </a:xfrm>
           <a:prstGeom prst="rect">
             <a:avLst/>
@@ -10864,7 +10864,7 @@
         <p:spPr>
           <a:xfrm>
             <a:off x="4806360" y="2545560"/>
-            <a:ext cx="3712680" cy="2256120"/>
+            <a:ext cx="3712320" cy="2255760"/>
           </a:xfrm>
           <a:prstGeom prst="rect">
             <a:avLst/>
@@ -10916,7 +10916,7 @@
         <p:spPr>
           <a:xfrm>
             <a:off x="583200" y="450720"/>
-            <a:ext cx="7198560" cy="512640"/>
+            <a:ext cx="7198200" cy="512280"/>
           </a:xfrm>
           <a:prstGeom prst="rect">
             <a:avLst/>
@@ -10998,7 +10998,7 @@
         <p:spPr>
           <a:xfrm>
             <a:off x="586440" y="1246680"/>
-            <a:ext cx="4004640" cy="3600360"/>
+            <a:ext cx="4004280" cy="3600000"/>
           </a:xfrm>
           <a:prstGeom prst="rect">
             <a:avLst/>
@@ -11050,7 +11050,7 @@
         <p:spPr>
           <a:xfrm>
             <a:off x="559800" y="446040"/>
-            <a:ext cx="4284000" cy="684000"/>
+            <a:ext cx="4283640" cy="683640"/>
           </a:xfrm>
           <a:prstGeom prst="rect">
             <a:avLst/>
@@ -11102,7 +11102,7 @@
         <p:spPr>
           <a:xfrm>
             <a:off x="5097600" y="360"/>
-            <a:ext cx="4380120" cy="5144400"/>
+            <a:ext cx="4379760" cy="5144040"/>
           </a:xfrm>
           <a:prstGeom prst="roundRect">
             <a:avLst>
@@ -11167,8 +11167,8 @@
         </p:nvSpPr>
         <p:spPr>
           <a:xfrm rot="2744400">
-            <a:off x="-281520" y="-25920"/>
-            <a:ext cx="704880" cy="704520"/>
+            <a:off x="-281160" y="-25920"/>
+            <a:ext cx="704520" cy="704160"/>
           </a:xfrm>
           <a:prstGeom prst="roundRect">
             <a:avLst>
@@ -11206,7 +11206,7 @@
         <p:spPr>
           <a:xfrm rot="2625600">
             <a:off x="4861080" y="4146840"/>
-            <a:ext cx="468720" cy="468720"/>
+            <a:ext cx="468360" cy="468360"/>
           </a:xfrm>
           <a:prstGeom prst="roundRect">
             <a:avLst>
@@ -11280,8 +11280,8 @@
         </p:nvSpPr>
         <p:spPr>
           <a:xfrm rot="2744400">
-            <a:off x="-350640" y="4540320"/>
-            <a:ext cx="704880" cy="704520"/>
+            <a:off x="-350280" y="4539960"/>
+            <a:ext cx="704520" cy="704160"/>
           </a:xfrm>
           <a:prstGeom prst="roundRect">
             <a:avLst>
@@ -11318,8 +11318,8 @@
         </p:nvSpPr>
         <p:spPr>
           <a:xfrm rot="19228200">
-            <a:off x="5846760" y="-2266920"/>
-            <a:ext cx="4855680" cy="7726680"/>
+            <a:off x="5846400" y="-2266560"/>
+            <a:ext cx="4855320" cy="7726320"/>
           </a:xfrm>
           <a:prstGeom prst="roundRect">
             <a:avLst>
@@ -11357,9 +11357,9 @@
         <p:grpSpPr>
           <a:xfrm>
             <a:off x="4571640" y="828000"/>
-            <a:ext cx="4468680" cy="3564720"/>
+            <a:ext cx="4468320" cy="3564360"/>
             <a:chOff x="4571640" y="828000"/>
-            <a:chExt cx="4468680" cy="3564720"/>
+            <a:chExt cx="4468320" cy="3564360"/>
           </a:xfrm>
         </p:grpSpPr>
         <p:pic>
@@ -11375,7 +11375,7 @@
           <p:spPr>
             <a:xfrm>
               <a:off x="4571640" y="828000"/>
-              <a:ext cx="4468680" cy="3564720"/>
+              <a:ext cx="4468320" cy="3564360"/>
             </a:xfrm>
             <a:prstGeom prst="rect">
               <a:avLst/>
@@ -11393,8 +11393,8 @@
           </p:nvSpPr>
           <p:spPr>
             <a:xfrm rot="16200000">
-              <a:off x="5962680" y="1158480"/>
-              <a:ext cx="1737720" cy="2771640"/>
+              <a:off x="5962680" y="1158840"/>
+              <a:ext cx="1737360" cy="2771280"/>
             </a:xfrm>
             <a:prstGeom prst="roundRect">
               <a:avLst>
@@ -11461,7 +11461,7 @@
         <p:spPr>
           <a:xfrm>
             <a:off x="586440" y="1246680"/>
-            <a:ext cx="4004640" cy="3600360"/>
+            <a:ext cx="4004280" cy="3600000"/>
           </a:xfrm>
           <a:prstGeom prst="rect">
             <a:avLst/>
@@ -11513,7 +11513,7 @@
         <p:spPr>
           <a:xfrm>
             <a:off x="5446080" y="1672200"/>
-            <a:ext cx="2780640" cy="1737720"/>
+            <a:ext cx="2780280" cy="1737360"/>
           </a:xfrm>
           <a:prstGeom prst="rect">
             <a:avLst/>
@@ -11565,7 +11565,7 @@
         <p:spPr>
           <a:xfrm>
             <a:off x="586440" y="453960"/>
-            <a:ext cx="3697200" cy="855720"/>
+            <a:ext cx="3696840" cy="855360"/>
           </a:xfrm>
           <a:prstGeom prst="rect">
             <a:avLst/>
@@ -11654,7 +11654,7 @@
         <p:spPr>
           <a:xfrm>
             <a:off x="4222080" y="1246680"/>
-            <a:ext cx="4115520" cy="3600360"/>
+            <a:ext cx="4115160" cy="3600000"/>
           </a:xfrm>
           <a:prstGeom prst="rect">
             <a:avLst/>
@@ -11705,8 +11705,8 @@
         </p:nvSpPr>
         <p:spPr>
           <a:xfrm rot="16200000">
-            <a:off x="-2181600" y="1733040"/>
-            <a:ext cx="5144400" cy="1684440"/>
+            <a:off x="-2181600" y="1733400"/>
+            <a:ext cx="5144040" cy="1684080"/>
           </a:xfrm>
           <a:prstGeom prst="roundRect">
             <a:avLst>
@@ -11743,8 +11743,8 @@
         </p:nvSpPr>
         <p:spPr>
           <a:xfrm rot="2745000">
-            <a:off x="8575200" y="104040"/>
-            <a:ext cx="1132920" cy="1132560"/>
+            <a:off x="8575200" y="103680"/>
+            <a:ext cx="1132560" cy="1132200"/>
           </a:xfrm>
           <a:prstGeom prst="roundRect">
             <a:avLst>
@@ -11781,8 +11781,8 @@
         </p:nvSpPr>
         <p:spPr>
           <a:xfrm rot="16200000">
-            <a:off x="614880" y="918360"/>
-            <a:ext cx="3232440" cy="3314160"/>
+            <a:off x="614880" y="918720"/>
+            <a:ext cx="3232080" cy="3313800"/>
           </a:xfrm>
           <a:prstGeom prst="roundRect">
             <a:avLst>
@@ -11848,7 +11848,7 @@
         <p:spPr>
           <a:xfrm>
             <a:off x="4214160" y="456120"/>
-            <a:ext cx="4112280" cy="855720"/>
+            <a:ext cx="4111920" cy="855360"/>
           </a:xfrm>
           <a:prstGeom prst="rect">
             <a:avLst/>
